--- a/wosc4/presentations/p7-wosc2018_lloyd.pptx
+++ b/wosc4/presentations/p7-wosc2018_lloyd.pptx
@@ -35381,7 +35381,7 @@
         </p:spPr>
         <p:txBody>
           <a:bodyPr vert="horz" lIns="100794" tIns="50397" rIns="100794" bIns="50397">
-            <a:normAutofit/>
+            <a:normAutofit lnSpcReduction="10000"/>
           </a:bodyPr>
           <a:lstStyle>
             <a:lvl1pPr marL="302383" indent="-302383" algn="l" rtl="0" eaLnBrk="1" latinLnBrk="0" hangingPunct="1">
@@ -35642,7 +35642,14 @@
             </a:pPr>
             <a:r>
               <a:rPr lang="en-US" sz="2800" dirty="0"/>
-              <a:t>Function package built/transferred to Hosts</a:t>
+              <a:t>Function package built/transferred </a:t>
+            </a:r>
+            <a:br>
+              <a:rPr lang="en-US" sz="2800" dirty="0"/>
+            </a:br>
+            <a:r>
+              <a:rPr lang="en-US" sz="2800" dirty="0"/>
+              <a:t>to Hosts</a:t>
             </a:r>
           </a:p>
           <a:p>
@@ -35725,7 +35732,7 @@
         </p:nvGrpSpPr>
         <p:grpSpPr>
           <a:xfrm>
-            <a:off x="7924069" y="1317971"/>
+            <a:off x="7924069" y="1253423"/>
             <a:ext cx="1459643" cy="1318866"/>
             <a:chOff x="3493786" y="3514354"/>
             <a:chExt cx="3012768" cy="3144030"/>
@@ -35829,7 +35836,7 @@
         </p:nvSpPr>
         <p:spPr>
           <a:xfrm>
-            <a:off x="4468607" y="3511666"/>
+            <a:off x="4468607" y="3361054"/>
             <a:ext cx="5194051" cy="407163"/>
           </a:xfrm>
           <a:prstGeom prst="rect">
